--- a/Node_ERPv2/Document/ERP_포트폴리오.pptx
+++ b/Node_ERPv2/Document/ERP_포트폴리오.pptx
@@ -9,9 +9,12 @@
     <p:sldId id="260" r:id="rId3"/>
     <p:sldId id="259" r:id="rId4"/>
     <p:sldId id="257" r:id="rId5"/>
-    <p:sldId id="262" r:id="rId6"/>
-    <p:sldId id="261" r:id="rId7"/>
-    <p:sldId id="258" r:id="rId8"/>
+    <p:sldId id="265" r:id="rId6"/>
+    <p:sldId id="264" r:id="rId7"/>
+    <p:sldId id="262" r:id="rId8"/>
+    <p:sldId id="261" r:id="rId9"/>
+    <p:sldId id="258" r:id="rId10"/>
+    <p:sldId id="263" r:id="rId11"/>
   </p:sldIdLst>
   <p:sldSz cx="12192000" cy="6858000"/>
   <p:notesSz cx="6858000" cy="9144000"/>
@@ -1475,6 +1478,98 @@
 </p:sld>
 </file>
 
+<file path=ppt/slides/slide10.xml><?xml version="1.0" encoding="utf-8"?>
+<p:sld xmlns:a="http://schemas.openxmlformats.org/drawingml/2006/main" xmlns:r="http://schemas.openxmlformats.org/officeDocument/2006/relationships" xmlns:p="http://schemas.openxmlformats.org/presentationml/2006/main">
+  <p:cSld>
+    <p:spTree>
+      <p:nvGrpSpPr>
+        <p:cNvPr id="1" name=""/>
+        <p:cNvGrpSpPr/>
+        <p:nvPr/>
+      </p:nvGrpSpPr>
+      <p:grpSpPr>
+        <a:xfrm>
+          <a:off x="0" y="0"/>
+          <a:ext cx="0" cy="0"/>
+          <a:chOff x="0" y="0"/>
+          <a:chExt cx="0" cy="0"/>
+        </a:xfrm>
+      </p:grpSpPr>
+      <p:sp>
+        <p:nvSpPr>
+          <p:cNvPr id="2" name="제목 1">
+            <a:extLst>
+              <a:ext uri="{FF2B5EF4-FFF2-40B4-BE49-F238E27FC236}">
+                <a16:creationId xmlns:a16="http://schemas.microsoft.com/office/drawing/2014/main" id="{F4D2CBDE-9006-4210-69ED-60C040059D33}"/>
+              </a:ext>
+            </a:extLst>
+          </p:cNvPr>
+          <p:cNvSpPr>
+            <a:spLocks noGrp="1"/>
+          </p:cNvSpPr>
+          <p:nvPr>
+            <p:ph type="title"/>
+          </p:nvPr>
+        </p:nvSpPr>
+        <p:spPr/>
+        <p:txBody>
+          <a:bodyPr/>
+          <a:lstStyle/>
+          <a:p>
+            <a:r>
+              <a:rPr lang="en-US" altLang="ko-KR" dirty="0"/>
+              <a:t>ERD – </a:t>
+            </a:r>
+            <a:r>
+              <a:rPr lang="ko-KR" altLang="en-US" dirty="0"/>
+              <a:t>상품 정보</a:t>
+            </a:r>
+          </a:p>
+        </p:txBody>
+      </p:sp>
+      <p:pic>
+        <p:nvPicPr>
+          <p:cNvPr id="5" name="그림 4">
+            <a:extLst>
+              <a:ext uri="{FF2B5EF4-FFF2-40B4-BE49-F238E27FC236}">
+                <a16:creationId xmlns:a16="http://schemas.microsoft.com/office/drawing/2014/main" id="{D5E35279-F4CB-CB47-F272-8F609DC41AE5}"/>
+              </a:ext>
+            </a:extLst>
+          </p:cNvPr>
+          <p:cNvPicPr>
+            <a:picLocks noChangeAspect="1"/>
+          </p:cNvPicPr>
+          <p:nvPr/>
+        </p:nvPicPr>
+        <p:blipFill>
+          <a:blip r:embed="rId2"/>
+          <a:stretch>
+            <a:fillRect/>
+          </a:stretch>
+        </p:blipFill>
+        <p:spPr>
+          <a:xfrm>
+            <a:off x="2825058" y="1220259"/>
+            <a:ext cx="6541883" cy="5400347"/>
+          </a:xfrm>
+          <a:prstGeom prst="rect">
+            <a:avLst/>
+          </a:prstGeom>
+        </p:spPr>
+      </p:pic>
+    </p:spTree>
+    <p:extLst>
+      <p:ext uri="{BB962C8B-B14F-4D97-AF65-F5344CB8AC3E}">
+        <p14:creationId xmlns:p14="http://schemas.microsoft.com/office/powerpoint/2010/main" val="1159684784"/>
+      </p:ext>
+    </p:extLst>
+  </p:cSld>
+  <p:clrMapOvr>
+    <a:masterClrMapping/>
+  </p:clrMapOvr>
+</p:sld>
+</file>
+
 <file path=ppt/slides/slide2.xml><?xml version="1.0" encoding="utf-8"?>
 <p:sld xmlns:a="http://schemas.openxmlformats.org/drawingml/2006/main" xmlns:r="http://schemas.openxmlformats.org/officeDocument/2006/relationships" xmlns:p="http://schemas.openxmlformats.org/presentationml/2006/main">
   <p:cSld>
@@ -2561,10 +2656,10 @@
       </p:grpSpPr>
       <p:sp>
         <p:nvSpPr>
-          <p:cNvPr id="2" name="제목 1">
-            <a:extLst>
-              <a:ext uri="{FF2B5EF4-FFF2-40B4-BE49-F238E27FC236}">
-                <a16:creationId xmlns:a16="http://schemas.microsoft.com/office/drawing/2014/main" id="{F4D2CBDE-9006-4210-69ED-60C040059D33}"/>
+          <p:cNvPr id="4" name="제목 3">
+            <a:extLst>
+              <a:ext uri="{FF2B5EF4-FFF2-40B4-BE49-F238E27FC236}">
+                <a16:creationId xmlns:a16="http://schemas.microsoft.com/office/drawing/2014/main" id="{B852780A-302C-02C4-1595-A851E2B783F9}"/>
               </a:ext>
             </a:extLst>
           </p:cNvPr>
@@ -2581,23 +2676,30 @@
           <a:lstStyle/>
           <a:p>
             <a:r>
-              <a:rPr lang="en-US" altLang="ko-KR"/>
-              <a:t>ERD – </a:t>
-            </a:r>
-            <a:r>
-              <a:rPr lang="ko-KR" altLang="en-US"/>
-              <a:t>테이블 정보</a:t>
-            </a:r>
-            <a:endParaRPr lang="ko-KR" altLang="en-US" dirty="0"/>
+              <a:rPr lang="en-US" altLang="ko-KR" dirty="0"/>
+              <a:t>Table</a:t>
+            </a:r>
+            <a:r>
+              <a:rPr lang="ko-KR" altLang="en-US" dirty="0"/>
+              <a:t> 설계 </a:t>
+            </a:r>
+            <a:r>
+              <a:rPr lang="en-US" altLang="ko-KR" dirty="0"/>
+              <a:t>– </a:t>
+            </a:r>
+            <a:r>
+              <a:rPr lang="ko-KR" altLang="en-US" dirty="0"/>
+              <a:t>사용자 정보</a:t>
+            </a:r>
           </a:p>
         </p:txBody>
       </p:sp>
       <p:pic>
         <p:nvPicPr>
-          <p:cNvPr id="4" name="그림 3">
-            <a:extLst>
-              <a:ext uri="{FF2B5EF4-FFF2-40B4-BE49-F238E27FC236}">
-                <a16:creationId xmlns:a16="http://schemas.microsoft.com/office/drawing/2014/main" id="{0C041C70-8FB9-E0AC-3319-0FE51489D3DC}"/>
+          <p:cNvPr id="5" name="그림 4">
+            <a:extLst>
+              <a:ext uri="{FF2B5EF4-FFF2-40B4-BE49-F238E27FC236}">
+                <a16:creationId xmlns:a16="http://schemas.microsoft.com/office/drawing/2014/main" id="{8A4B41E7-C15B-9B99-25A6-71A1871DB760}"/>
               </a:ext>
             </a:extLst>
           </p:cNvPr>
@@ -2614,8 +2716,201 @@
         </p:blipFill>
         <p:spPr>
           <a:xfrm>
-            <a:off x="2367861" y="1834304"/>
-            <a:ext cx="7456278" cy="3189391"/>
+            <a:off x="1027938" y="1257607"/>
+            <a:ext cx="10136124" cy="5134356"/>
+          </a:xfrm>
+          <a:prstGeom prst="rect">
+            <a:avLst/>
+          </a:prstGeom>
+        </p:spPr>
+      </p:pic>
+    </p:spTree>
+    <p:extLst>
+      <p:ext uri="{BB962C8B-B14F-4D97-AF65-F5344CB8AC3E}">
+        <p14:creationId xmlns:p14="http://schemas.microsoft.com/office/powerpoint/2010/main" val="3799255089"/>
+      </p:ext>
+    </p:extLst>
+  </p:cSld>
+  <p:clrMapOvr>
+    <a:masterClrMapping/>
+  </p:clrMapOvr>
+</p:sld>
+</file>
+
+<file path=ppt/slides/slide6.xml><?xml version="1.0" encoding="utf-8"?>
+<p:sld xmlns:a="http://schemas.openxmlformats.org/drawingml/2006/main" xmlns:r="http://schemas.openxmlformats.org/officeDocument/2006/relationships" xmlns:p="http://schemas.openxmlformats.org/presentationml/2006/main">
+  <p:cSld>
+    <p:spTree>
+      <p:nvGrpSpPr>
+        <p:cNvPr id="1" name=""/>
+        <p:cNvGrpSpPr/>
+        <p:nvPr/>
+      </p:nvGrpSpPr>
+      <p:grpSpPr>
+        <a:xfrm>
+          <a:off x="0" y="0"/>
+          <a:ext cx="0" cy="0"/>
+          <a:chOff x="0" y="0"/>
+          <a:chExt cx="0" cy="0"/>
+        </a:xfrm>
+      </p:grpSpPr>
+      <p:sp>
+        <p:nvSpPr>
+          <p:cNvPr id="4" name="제목 3">
+            <a:extLst>
+              <a:ext uri="{FF2B5EF4-FFF2-40B4-BE49-F238E27FC236}">
+                <a16:creationId xmlns:a16="http://schemas.microsoft.com/office/drawing/2014/main" id="{B852780A-302C-02C4-1595-A851E2B783F9}"/>
+              </a:ext>
+            </a:extLst>
+          </p:cNvPr>
+          <p:cNvSpPr>
+            <a:spLocks noGrp="1"/>
+          </p:cNvSpPr>
+          <p:nvPr>
+            <p:ph type="title"/>
+          </p:nvPr>
+        </p:nvSpPr>
+        <p:spPr/>
+        <p:txBody>
+          <a:bodyPr/>
+          <a:lstStyle/>
+          <a:p>
+            <a:r>
+              <a:rPr lang="en-US" altLang="ko-KR" dirty="0"/>
+              <a:t>Table</a:t>
+            </a:r>
+            <a:r>
+              <a:rPr lang="ko-KR" altLang="en-US" dirty="0"/>
+              <a:t> 설계 </a:t>
+            </a:r>
+            <a:r>
+              <a:rPr lang="en-US" altLang="ko-KR" dirty="0"/>
+              <a:t>– </a:t>
+            </a:r>
+            <a:r>
+              <a:rPr lang="ko-KR" altLang="en-US" dirty="0"/>
+              <a:t>상품 정보</a:t>
+            </a:r>
+          </a:p>
+        </p:txBody>
+      </p:sp>
+      <p:pic>
+        <p:nvPicPr>
+          <p:cNvPr id="3" name="그림 2">
+            <a:extLst>
+              <a:ext uri="{FF2B5EF4-FFF2-40B4-BE49-F238E27FC236}">
+                <a16:creationId xmlns:a16="http://schemas.microsoft.com/office/drawing/2014/main" id="{C255E7B1-2D6B-7FED-B074-79595F31F677}"/>
+              </a:ext>
+            </a:extLst>
+          </p:cNvPr>
+          <p:cNvPicPr>
+            <a:picLocks noChangeAspect="1"/>
+          </p:cNvPicPr>
+          <p:nvPr/>
+        </p:nvPicPr>
+        <p:blipFill>
+          <a:blip r:embed="rId2"/>
+          <a:stretch>
+            <a:fillRect/>
+          </a:stretch>
+        </p:blipFill>
+        <p:spPr>
+          <a:xfrm>
+            <a:off x="838200" y="1232325"/>
+            <a:ext cx="10136124" cy="5134356"/>
+          </a:xfrm>
+          <a:prstGeom prst="rect">
+            <a:avLst/>
+          </a:prstGeom>
+        </p:spPr>
+      </p:pic>
+    </p:spTree>
+    <p:extLst>
+      <p:ext uri="{BB962C8B-B14F-4D97-AF65-F5344CB8AC3E}">
+        <p14:creationId xmlns:p14="http://schemas.microsoft.com/office/powerpoint/2010/main" val="527132200"/>
+      </p:ext>
+    </p:extLst>
+  </p:cSld>
+  <p:clrMapOvr>
+    <a:masterClrMapping/>
+  </p:clrMapOvr>
+</p:sld>
+</file>
+
+<file path=ppt/slides/slide7.xml><?xml version="1.0" encoding="utf-8"?>
+<p:sld xmlns:a="http://schemas.openxmlformats.org/drawingml/2006/main" xmlns:r="http://schemas.openxmlformats.org/officeDocument/2006/relationships" xmlns:p="http://schemas.openxmlformats.org/presentationml/2006/main">
+  <p:cSld>
+    <p:spTree>
+      <p:nvGrpSpPr>
+        <p:cNvPr id="1" name=""/>
+        <p:cNvGrpSpPr/>
+        <p:nvPr/>
+      </p:nvGrpSpPr>
+      <p:grpSpPr>
+        <a:xfrm>
+          <a:off x="0" y="0"/>
+          <a:ext cx="0" cy="0"/>
+          <a:chOff x="0" y="0"/>
+          <a:chExt cx="0" cy="0"/>
+        </a:xfrm>
+      </p:grpSpPr>
+      <p:sp>
+        <p:nvSpPr>
+          <p:cNvPr id="2" name="제목 1">
+            <a:extLst>
+              <a:ext uri="{FF2B5EF4-FFF2-40B4-BE49-F238E27FC236}">
+                <a16:creationId xmlns:a16="http://schemas.microsoft.com/office/drawing/2014/main" id="{F4D2CBDE-9006-4210-69ED-60C040059D33}"/>
+              </a:ext>
+            </a:extLst>
+          </p:cNvPr>
+          <p:cNvSpPr>
+            <a:spLocks noGrp="1"/>
+          </p:cNvSpPr>
+          <p:nvPr>
+            <p:ph type="title"/>
+          </p:nvPr>
+        </p:nvSpPr>
+        <p:spPr/>
+        <p:txBody>
+          <a:bodyPr/>
+          <a:lstStyle/>
+          <a:p>
+            <a:r>
+              <a:rPr lang="en-US" altLang="ko-KR"/>
+              <a:t>ERD – </a:t>
+            </a:r>
+            <a:r>
+              <a:rPr lang="ko-KR" altLang="en-US"/>
+              <a:t>테이블 정보</a:t>
+            </a:r>
+            <a:endParaRPr lang="ko-KR" altLang="en-US" dirty="0"/>
+          </a:p>
+        </p:txBody>
+      </p:sp>
+      <p:pic>
+        <p:nvPicPr>
+          <p:cNvPr id="5" name="그림 4">
+            <a:extLst>
+              <a:ext uri="{FF2B5EF4-FFF2-40B4-BE49-F238E27FC236}">
+                <a16:creationId xmlns:a16="http://schemas.microsoft.com/office/drawing/2014/main" id="{ABC24BF9-3E34-AF9D-5735-93B77997062F}"/>
+              </a:ext>
+            </a:extLst>
+          </p:cNvPr>
+          <p:cNvPicPr>
+            <a:picLocks noChangeAspect="1"/>
+          </p:cNvPicPr>
+          <p:nvPr/>
+        </p:nvPicPr>
+        <p:blipFill>
+          <a:blip r:embed="rId2"/>
+          <a:stretch>
+            <a:fillRect/>
+          </a:stretch>
+        </p:blipFill>
+        <p:spPr>
+          <a:xfrm>
+            <a:off x="1223282" y="1885734"/>
+            <a:ext cx="9745435" cy="3086531"/>
           </a:xfrm>
           <a:prstGeom prst="rect">
             <a:avLst/>
@@ -2635,7 +2930,7 @@
 </p:sld>
 </file>
 
-<file path=ppt/slides/slide6.xml><?xml version="1.0" encoding="utf-8"?>
+<file path=ppt/slides/slide8.xml><?xml version="1.0" encoding="utf-8"?>
 <p:sld xmlns:a="http://schemas.openxmlformats.org/drawingml/2006/main" xmlns:r="http://schemas.openxmlformats.org/officeDocument/2006/relationships" xmlns:p="http://schemas.openxmlformats.org/presentationml/2006/main">
   <p:cSld>
     <p:spTree>
@@ -2727,7 +3022,7 @@
 </p:sld>
 </file>
 
-<file path=ppt/slides/slide7.xml><?xml version="1.0" encoding="utf-8"?>
+<file path=ppt/slides/slide9.xml><?xml version="1.0" encoding="utf-8"?>
 <p:sld xmlns:a="http://schemas.openxmlformats.org/drawingml/2006/main" xmlns:r="http://schemas.openxmlformats.org/officeDocument/2006/relationships" xmlns:p="http://schemas.openxmlformats.org/presentationml/2006/main">
   <p:cSld>
     <p:spTree>
